--- a/01jvm/JMM参数.pptx
+++ b/01jvm/JMM参数.pptx
@@ -2652,8 +2652,8 @@
         </p:nvSpPr>
         <p:spPr>
           <a:xfrm>
-            <a:off x="2441575" y="3642995"/>
-            <a:ext cx="4131945" cy="1569085"/>
+            <a:off x="1908175" y="3633470"/>
+            <a:ext cx="3300730" cy="1569085"/>
           </a:xfrm>
           <a:prstGeom prst="rect">
             <a:avLst/>
@@ -2691,7 +2691,7 @@
         </p:nvSpPr>
         <p:spPr>
           <a:xfrm>
-            <a:off x="2531110" y="3748405"/>
+            <a:off x="1997710" y="3738880"/>
             <a:ext cx="2715260" cy="306705"/>
           </a:xfrm>
           <a:prstGeom prst="rect">
@@ -2760,8 +2760,8 @@
         </p:nvSpPr>
         <p:spPr>
           <a:xfrm>
-            <a:off x="6804343" y="3642995"/>
-            <a:ext cx="2219325" cy="1569085"/>
+            <a:off x="5327015" y="3633470"/>
+            <a:ext cx="3163570" cy="1569085"/>
           </a:xfrm>
           <a:prstGeom prst="rect">
             <a:avLst/>
@@ -2797,7 +2797,7 @@
         </p:nvSpPr>
         <p:spPr>
           <a:xfrm>
-            <a:off x="6924675" y="3748405"/>
+            <a:off x="5492750" y="3738880"/>
             <a:ext cx="2715260" cy="306705"/>
           </a:xfrm>
           <a:prstGeom prst="rect">
@@ -2842,8 +2842,8 @@
         </p:nvSpPr>
         <p:spPr>
           <a:xfrm>
-            <a:off x="2590165" y="4178935"/>
-            <a:ext cx="1816735" cy="861060"/>
+            <a:off x="2056765" y="4169410"/>
+            <a:ext cx="1499870" cy="861060"/>
           </a:xfrm>
           <a:prstGeom prst="rect">
             <a:avLst/>
@@ -2879,7 +2879,7 @@
         </p:nvSpPr>
         <p:spPr>
           <a:xfrm>
-            <a:off x="2648585" y="4274185"/>
+            <a:off x="2115185" y="4264660"/>
             <a:ext cx="2715260" cy="460375"/>
           </a:xfrm>
           <a:prstGeom prst="rect">
@@ -2939,8 +2939,8 @@
         </p:nvSpPr>
         <p:spPr>
           <a:xfrm>
-            <a:off x="4582795" y="4178935"/>
-            <a:ext cx="1816735" cy="861060"/>
+            <a:off x="3668395" y="4169410"/>
+            <a:ext cx="1301750" cy="861060"/>
           </a:xfrm>
           <a:prstGeom prst="rect">
             <a:avLst/>
@@ -2976,7 +2976,7 @@
         </p:nvSpPr>
         <p:spPr>
           <a:xfrm>
-            <a:off x="4582795" y="4274185"/>
+            <a:off x="3668395" y="4264660"/>
             <a:ext cx="2715260" cy="460375"/>
           </a:xfrm>
           <a:prstGeom prst="rect">
@@ -3038,8 +3038,8 @@
         </p:nvSpPr>
         <p:spPr>
           <a:xfrm>
-            <a:off x="7029450" y="4178935"/>
-            <a:ext cx="1769110" cy="861060"/>
+            <a:off x="5492750" y="4178300"/>
+            <a:ext cx="1043940" cy="861060"/>
           </a:xfrm>
           <a:prstGeom prst="rect">
             <a:avLst/>
@@ -3075,7 +3075,7 @@
         </p:nvSpPr>
         <p:spPr>
           <a:xfrm>
-            <a:off x="7038975" y="4274185"/>
+            <a:off x="5492750" y="4279900"/>
             <a:ext cx="2715260" cy="460375"/>
           </a:xfrm>
           <a:prstGeom prst="rect">
@@ -3095,8 +3095,16 @@
                 </a:solidFill>
                 <a:sym typeface="+mn-ea"/>
               </a:rPr>
-              <a:t>元数据区 </a:t>
-            </a:r>
+              <a:t>元数据区</a:t>
+            </a:r>
+            <a:endParaRPr lang="zh-CN" altLang="en-US" sz="1200">
+              <a:solidFill>
+                <a:schemeClr val="bg1"/>
+              </a:solidFill>
+              <a:sym typeface="+mn-ea"/>
+            </a:endParaRPr>
+          </a:p>
+          <a:p>
             <a:r>
               <a:rPr lang="en-US" altLang="zh-CN" sz="1200">
                 <a:solidFill>
@@ -3110,22 +3118,6 @@
               <a:solidFill>
                 <a:schemeClr val="bg1"/>
               </a:solidFill>
-              <a:sym typeface="+mn-ea"/>
-            </a:endParaRPr>
-          </a:p>
-          <a:p>
-            <a:r>
-              <a:rPr lang="en-US" altLang="zh-CN" sz="1200">
-                <a:solidFill>
-                  <a:schemeClr val="bg1"/>
-                </a:solidFill>
-              </a:rPr>
-              <a:t>Meta</a:t>
-            </a:r>
-            <a:endParaRPr lang="en-US" altLang="zh-CN" sz="1200">
-              <a:solidFill>
-                <a:schemeClr val="bg1"/>
-              </a:solidFill>
             </a:endParaRPr>
           </a:p>
         </p:txBody>
@@ -3138,8 +3130,8 @@
         </p:nvSpPr>
         <p:spPr>
           <a:xfrm>
-            <a:off x="9225915" y="3643630"/>
-            <a:ext cx="1530350" cy="1569085"/>
+            <a:off x="8692515" y="3634105"/>
+            <a:ext cx="2849245" cy="1569085"/>
           </a:xfrm>
           <a:prstGeom prst="rect">
             <a:avLst/>
@@ -3175,8 +3167,8 @@
         </p:nvSpPr>
         <p:spPr>
           <a:xfrm>
-            <a:off x="722630" y="3642995"/>
-            <a:ext cx="1530350" cy="1569085"/>
+            <a:off x="635635" y="3633470"/>
+            <a:ext cx="1136650" cy="1569085"/>
           </a:xfrm>
           <a:prstGeom prst="rect">
             <a:avLst/>
@@ -3212,7 +3204,7 @@
         </p:nvSpPr>
         <p:spPr>
           <a:xfrm>
-            <a:off x="838200" y="3748405"/>
+            <a:off x="719455" y="3738880"/>
             <a:ext cx="2715260" cy="306705"/>
           </a:xfrm>
           <a:prstGeom prst="rect">
@@ -3257,8 +3249,8 @@
         </p:nvSpPr>
         <p:spPr>
           <a:xfrm>
-            <a:off x="909320" y="4178935"/>
-            <a:ext cx="1167130" cy="861060"/>
+            <a:off x="748030" y="4169410"/>
+            <a:ext cx="430530" cy="861060"/>
           </a:xfrm>
           <a:prstGeom prst="rect">
             <a:avLst/>
@@ -3294,8 +3286,8 @@
         </p:nvSpPr>
         <p:spPr>
           <a:xfrm>
-            <a:off x="967740" y="4274185"/>
-            <a:ext cx="1743710" cy="275590"/>
+            <a:off x="719455" y="4281170"/>
+            <a:ext cx="1743710" cy="460375"/>
           </a:xfrm>
           <a:prstGeom prst="rect">
             <a:avLst/>
@@ -3306,6 +3298,21 @@
           <a:bodyPr wrap="square" rtlCol="0">
             <a:spAutoFit/>
           </a:bodyPr>
+          <a:p>
+            <a:r>
+              <a:rPr lang="zh-CN" altLang="en-US" sz="1200">
+                <a:solidFill>
+                  <a:schemeClr val="bg1"/>
+                </a:solidFill>
+              </a:rPr>
+              <a:t>线程</a:t>
+            </a:r>
+            <a:endParaRPr lang="en-US" sz="1200">
+              <a:solidFill>
+                <a:schemeClr val="bg1"/>
+              </a:solidFill>
+            </a:endParaRPr>
+          </a:p>
           <a:p>
             <a:r>
               <a:rPr lang="en-US" sz="1200">
@@ -3331,7 +3338,7 @@
         </p:nvSpPr>
         <p:spPr>
           <a:xfrm>
-            <a:off x="9365615" y="4178935"/>
+            <a:off x="8832215" y="4169410"/>
             <a:ext cx="1242695" cy="869950"/>
           </a:xfrm>
           <a:prstGeom prst="rect">
@@ -3368,7 +3375,7 @@
         </p:nvSpPr>
         <p:spPr>
           <a:xfrm>
-            <a:off x="9375140" y="4274185"/>
+            <a:off x="8841740" y="4264660"/>
             <a:ext cx="1907540" cy="275590"/>
           </a:xfrm>
           <a:prstGeom prst="rect">
@@ -3406,7 +3413,7 @@
         </p:nvSpPr>
         <p:spPr>
           <a:xfrm>
-            <a:off x="9365615" y="3748405"/>
+            <a:off x="8832215" y="3738880"/>
             <a:ext cx="2715260" cy="306705"/>
           </a:xfrm>
           <a:prstGeom prst="rect">
@@ -3425,9 +3432,322 @@
                   <a:schemeClr val="bg1"/>
                 </a:solidFill>
               </a:rPr>
-              <a:t>堆外内存</a:t>
+              <a:t>堆外内存 Native内存</a:t>
             </a:r>
             <a:endParaRPr lang="zh-CN" altLang="en-US" sz="1400">
+              <a:solidFill>
+                <a:schemeClr val="bg1"/>
+              </a:solidFill>
+            </a:endParaRPr>
+          </a:p>
+        </p:txBody>
+      </p:sp>
+      <p:sp>
+        <p:nvSpPr>
+          <p:cNvPr id="27" name="矩形 26"/>
+          <p:cNvSpPr/>
+          <p:nvPr/>
+        </p:nvSpPr>
+        <p:spPr>
+          <a:xfrm>
+            <a:off x="6652895" y="4178300"/>
+            <a:ext cx="1043940" cy="861060"/>
+          </a:xfrm>
+          <a:prstGeom prst="rect">
+            <a:avLst/>
+          </a:prstGeom>
+        </p:spPr>
+        <p:style>
+          <a:lnRef idx="3">
+            <a:schemeClr val="lt1"/>
+          </a:lnRef>
+          <a:fillRef idx="1">
+            <a:schemeClr val="accent3"/>
+          </a:fillRef>
+          <a:effectRef idx="1">
+            <a:schemeClr val="accent3"/>
+          </a:effectRef>
+          <a:fontRef idx="minor">
+            <a:schemeClr val="lt1"/>
+          </a:fontRef>
+        </p:style>
+        <p:txBody>
+          <a:bodyPr rtlCol="0" anchor="ctr"/>
+          <a:p>
+            <a:pPr algn="ctr"/>
+            <a:endParaRPr lang="zh-CN" altLang="en-US"/>
+          </a:p>
+        </p:txBody>
+      </p:sp>
+      <p:sp>
+        <p:nvSpPr>
+          <p:cNvPr id="28" name="文本框 27"/>
+          <p:cNvSpPr txBox="1"/>
+          <p:nvPr/>
+        </p:nvSpPr>
+        <p:spPr>
+          <a:xfrm>
+            <a:off x="6652895" y="4279900"/>
+            <a:ext cx="1093470" cy="275590"/>
+          </a:xfrm>
+          <a:prstGeom prst="rect">
+            <a:avLst/>
+          </a:prstGeom>
+          <a:noFill/>
+        </p:spPr>
+        <p:txBody>
+          <a:bodyPr wrap="square" rtlCol="0">
+            <a:spAutoFit/>
+          </a:bodyPr>
+          <a:p>
+            <a:r>
+              <a:rPr lang="en-US" sz="1200">
+                <a:solidFill>
+                  <a:schemeClr val="bg1"/>
+                </a:solidFill>
+                <a:sym typeface="+mn-ea"/>
+              </a:rPr>
+              <a:t>Code Cache</a:t>
+            </a:r>
+            <a:endParaRPr lang="en-US" sz="1200">
+              <a:solidFill>
+                <a:schemeClr val="bg1"/>
+              </a:solidFill>
+            </a:endParaRPr>
+          </a:p>
+        </p:txBody>
+      </p:sp>
+      <p:sp>
+        <p:nvSpPr>
+          <p:cNvPr id="29" name="矩形 28"/>
+          <p:cNvSpPr/>
+          <p:nvPr/>
+        </p:nvSpPr>
+        <p:spPr>
+          <a:xfrm>
+            <a:off x="7765415" y="4169410"/>
+            <a:ext cx="577850" cy="861060"/>
+          </a:xfrm>
+          <a:prstGeom prst="rect">
+            <a:avLst/>
+          </a:prstGeom>
+        </p:spPr>
+        <p:style>
+          <a:lnRef idx="3">
+            <a:schemeClr val="lt1"/>
+          </a:lnRef>
+          <a:fillRef idx="1">
+            <a:schemeClr val="accent3"/>
+          </a:fillRef>
+          <a:effectRef idx="1">
+            <a:schemeClr val="accent3"/>
+          </a:effectRef>
+          <a:fontRef idx="minor">
+            <a:schemeClr val="lt1"/>
+          </a:fontRef>
+        </p:style>
+        <p:txBody>
+          <a:bodyPr rtlCol="0" anchor="ctr"/>
+          <a:p>
+            <a:pPr algn="ctr"/>
+            <a:endParaRPr lang="zh-CN" altLang="en-US"/>
+          </a:p>
+        </p:txBody>
+      </p:sp>
+      <p:sp>
+        <p:nvSpPr>
+          <p:cNvPr id="30" name="文本框 29"/>
+          <p:cNvSpPr txBox="1"/>
+          <p:nvPr/>
+        </p:nvSpPr>
+        <p:spPr>
+          <a:xfrm>
+            <a:off x="7813040" y="4281170"/>
+            <a:ext cx="664845" cy="275590"/>
+          </a:xfrm>
+          <a:prstGeom prst="rect">
+            <a:avLst/>
+          </a:prstGeom>
+          <a:noFill/>
+        </p:spPr>
+        <p:txBody>
+          <a:bodyPr wrap="square" rtlCol="0">
+            <a:spAutoFit/>
+          </a:bodyPr>
+          <a:p>
+            <a:r>
+              <a:rPr lang="en-US" sz="1200">
+                <a:solidFill>
+                  <a:schemeClr val="bg1"/>
+                </a:solidFill>
+                <a:sym typeface="+mn-ea"/>
+              </a:rPr>
+              <a:t>CCS</a:t>
+            </a:r>
+            <a:endParaRPr lang="en-US" sz="1200">
+              <a:solidFill>
+                <a:schemeClr val="bg1"/>
+              </a:solidFill>
+            </a:endParaRPr>
+          </a:p>
+        </p:txBody>
+      </p:sp>
+      <p:sp>
+        <p:nvSpPr>
+          <p:cNvPr id="31" name="矩形 30"/>
+          <p:cNvSpPr/>
+          <p:nvPr/>
+        </p:nvSpPr>
+        <p:spPr>
+          <a:xfrm>
+            <a:off x="10144125" y="4178300"/>
+            <a:ext cx="1242695" cy="869950"/>
+          </a:xfrm>
+          <a:prstGeom prst="rect">
+            <a:avLst/>
+          </a:prstGeom>
+        </p:spPr>
+        <p:style>
+          <a:lnRef idx="3">
+            <a:schemeClr val="lt1"/>
+          </a:lnRef>
+          <a:fillRef idx="1">
+            <a:schemeClr val="accent3"/>
+          </a:fillRef>
+          <a:effectRef idx="1">
+            <a:schemeClr val="accent3"/>
+          </a:effectRef>
+          <a:fontRef idx="minor">
+            <a:schemeClr val="lt1"/>
+          </a:fontRef>
+        </p:style>
+        <p:txBody>
+          <a:bodyPr rtlCol="0" anchor="ctr"/>
+          <a:p>
+            <a:pPr algn="ctr"/>
+            <a:endParaRPr lang="zh-CN" altLang="en-US"/>
+          </a:p>
+        </p:txBody>
+      </p:sp>
+      <p:sp>
+        <p:nvSpPr>
+          <p:cNvPr id="32" name="文本框 31"/>
+          <p:cNvSpPr txBox="1"/>
+          <p:nvPr/>
+        </p:nvSpPr>
+        <p:spPr>
+          <a:xfrm>
+            <a:off x="10144125" y="4281170"/>
+            <a:ext cx="1907540" cy="275590"/>
+          </a:xfrm>
+          <a:prstGeom prst="rect">
+            <a:avLst/>
+          </a:prstGeom>
+          <a:noFill/>
+        </p:spPr>
+        <p:txBody>
+          <a:bodyPr wrap="square" rtlCol="0">
+            <a:spAutoFit/>
+          </a:bodyPr>
+          <a:p>
+            <a:r>
+              <a:rPr lang="zh-CN" altLang="en-US" sz="1200">
+                <a:solidFill>
+                  <a:schemeClr val="bg1"/>
+                </a:solidFill>
+              </a:rPr>
+              <a:t>其他本地内存</a:t>
+            </a:r>
+            <a:endParaRPr lang="zh-CN" altLang="en-US" sz="1200">
+              <a:solidFill>
+                <a:schemeClr val="bg1"/>
+              </a:solidFill>
+            </a:endParaRPr>
+          </a:p>
+        </p:txBody>
+      </p:sp>
+      <p:sp>
+        <p:nvSpPr>
+          <p:cNvPr id="33" name="矩形 32"/>
+          <p:cNvSpPr/>
+          <p:nvPr/>
+        </p:nvSpPr>
+        <p:spPr>
+          <a:xfrm>
+            <a:off x="1245870" y="4172585"/>
+            <a:ext cx="430530" cy="861060"/>
+          </a:xfrm>
+          <a:prstGeom prst="rect">
+            <a:avLst/>
+          </a:prstGeom>
+        </p:spPr>
+        <p:style>
+          <a:lnRef idx="3">
+            <a:schemeClr val="lt1"/>
+          </a:lnRef>
+          <a:fillRef idx="1">
+            <a:schemeClr val="accent3"/>
+          </a:fillRef>
+          <a:effectRef idx="1">
+            <a:schemeClr val="accent3"/>
+          </a:effectRef>
+          <a:fontRef idx="minor">
+            <a:schemeClr val="lt1"/>
+          </a:fontRef>
+        </p:style>
+        <p:txBody>
+          <a:bodyPr rtlCol="0" anchor="ctr"/>
+          <a:p>
+            <a:pPr algn="ctr"/>
+            <a:endParaRPr lang="zh-CN" altLang="en-US"/>
+          </a:p>
+        </p:txBody>
+      </p:sp>
+      <p:sp>
+        <p:nvSpPr>
+          <p:cNvPr id="34" name="文本框 33"/>
+          <p:cNvSpPr txBox="1"/>
+          <p:nvPr/>
+        </p:nvSpPr>
+        <p:spPr>
+          <a:xfrm>
+            <a:off x="1217295" y="4284345"/>
+            <a:ext cx="1743710" cy="460375"/>
+          </a:xfrm>
+          <a:prstGeom prst="rect">
+            <a:avLst/>
+          </a:prstGeom>
+          <a:noFill/>
+        </p:spPr>
+        <p:txBody>
+          <a:bodyPr wrap="square" rtlCol="0">
+            <a:spAutoFit/>
+          </a:bodyPr>
+          <a:p>
+            <a:r>
+              <a:rPr lang="zh-CN" altLang="en-US" sz="1200">
+                <a:solidFill>
+                  <a:schemeClr val="bg1"/>
+                </a:solidFill>
+              </a:rPr>
+              <a:t>线程</a:t>
+            </a:r>
+            <a:endParaRPr lang="en-US" sz="1200">
+              <a:solidFill>
+                <a:schemeClr val="bg1"/>
+              </a:solidFill>
+            </a:endParaRPr>
+          </a:p>
+          <a:p>
+            <a:r>
+              <a:rPr lang="en-US" sz="1200">
+                <a:solidFill>
+                  <a:schemeClr val="bg1"/>
+                </a:solidFill>
+              </a:rPr>
+              <a:t>Xss</a:t>
+            </a:r>
+            <a:endParaRPr lang="en-US" sz="1200">
               <a:solidFill>
                 <a:schemeClr val="bg1"/>
               </a:solidFill>

--- a/01jvm/JMM参数.pptx
+++ b/01jvm/JMM参数.pptx
@@ -2630,7 +2630,12 @@
             <p:ph type="title"/>
           </p:nvPr>
         </p:nvSpPr>
-        <p:spPr/>
+        <p:spPr>
+          <a:xfrm>
+            <a:off x="838200" y="365125"/>
+            <a:ext cx="10515600" cy="1325563"/>
+          </a:xfrm>
+        </p:spPr>
         <p:txBody>
           <a:bodyPr>
             <a:normAutofit/>
@@ -2652,7 +2657,7 @@
         </p:nvSpPr>
         <p:spPr>
           <a:xfrm>
-            <a:off x="1908175" y="3633470"/>
+            <a:off x="1908175" y="1871345"/>
             <a:ext cx="3300730" cy="1569085"/>
           </a:xfrm>
           <a:prstGeom prst="rect">
@@ -2691,7 +2696,7 @@
         </p:nvSpPr>
         <p:spPr>
           <a:xfrm>
-            <a:off x="1997710" y="3738880"/>
+            <a:off x="1997710" y="1976755"/>
             <a:ext cx="2715260" cy="306705"/>
           </a:xfrm>
           <a:prstGeom prst="rect">
@@ -2760,7 +2765,7 @@
         </p:nvSpPr>
         <p:spPr>
           <a:xfrm>
-            <a:off x="5327015" y="3633470"/>
+            <a:off x="5327015" y="1871345"/>
             <a:ext cx="3163570" cy="1569085"/>
           </a:xfrm>
           <a:prstGeom prst="rect">
@@ -2797,7 +2802,7 @@
         </p:nvSpPr>
         <p:spPr>
           <a:xfrm>
-            <a:off x="5492750" y="3738880"/>
+            <a:off x="5492750" y="1976755"/>
             <a:ext cx="2715260" cy="306705"/>
           </a:xfrm>
           <a:prstGeom prst="rect">
@@ -2842,7 +2847,7 @@
         </p:nvSpPr>
         <p:spPr>
           <a:xfrm>
-            <a:off x="2056765" y="4169410"/>
+            <a:off x="2056765" y="2407285"/>
             <a:ext cx="1499870" cy="861060"/>
           </a:xfrm>
           <a:prstGeom prst="rect">
@@ -2879,7 +2884,7 @@
         </p:nvSpPr>
         <p:spPr>
           <a:xfrm>
-            <a:off x="2115185" y="4264660"/>
+            <a:off x="2115185" y="2502535"/>
             <a:ext cx="2715260" cy="460375"/>
           </a:xfrm>
           <a:prstGeom prst="rect">
@@ -2939,7 +2944,7 @@
         </p:nvSpPr>
         <p:spPr>
           <a:xfrm>
-            <a:off x="3668395" y="4169410"/>
+            <a:off x="3668395" y="2407285"/>
             <a:ext cx="1301750" cy="861060"/>
           </a:xfrm>
           <a:prstGeom prst="rect">
@@ -2976,7 +2981,7 @@
         </p:nvSpPr>
         <p:spPr>
           <a:xfrm>
-            <a:off x="3668395" y="4264660"/>
+            <a:off x="3668395" y="2502535"/>
             <a:ext cx="2715260" cy="460375"/>
           </a:xfrm>
           <a:prstGeom prst="rect">
@@ -3038,7 +3043,7 @@
         </p:nvSpPr>
         <p:spPr>
           <a:xfrm>
-            <a:off x="5492750" y="4178300"/>
+            <a:off x="5492750" y="2416175"/>
             <a:ext cx="1043940" cy="861060"/>
           </a:xfrm>
           <a:prstGeom prst="rect">
@@ -3075,7 +3080,7 @@
         </p:nvSpPr>
         <p:spPr>
           <a:xfrm>
-            <a:off x="5492750" y="4279900"/>
+            <a:off x="5492750" y="2517775"/>
             <a:ext cx="2715260" cy="460375"/>
           </a:xfrm>
           <a:prstGeom prst="rect">
@@ -3130,7 +3135,7 @@
         </p:nvSpPr>
         <p:spPr>
           <a:xfrm>
-            <a:off x="8692515" y="3634105"/>
+            <a:off x="8692515" y="1871980"/>
             <a:ext cx="2849245" cy="1569085"/>
           </a:xfrm>
           <a:prstGeom prst="rect">
@@ -3167,7 +3172,7 @@
         </p:nvSpPr>
         <p:spPr>
           <a:xfrm>
-            <a:off x="635635" y="3633470"/>
+            <a:off x="635635" y="1871345"/>
             <a:ext cx="1136650" cy="1569085"/>
           </a:xfrm>
           <a:prstGeom prst="rect">
@@ -3204,7 +3209,7 @@
         </p:nvSpPr>
         <p:spPr>
           <a:xfrm>
-            <a:off x="719455" y="3738880"/>
+            <a:off x="719455" y="1976755"/>
             <a:ext cx="2715260" cy="306705"/>
           </a:xfrm>
           <a:prstGeom prst="rect">
@@ -3249,7 +3254,7 @@
         </p:nvSpPr>
         <p:spPr>
           <a:xfrm>
-            <a:off x="748030" y="4169410"/>
+            <a:off x="748030" y="2407285"/>
             <a:ext cx="430530" cy="861060"/>
           </a:xfrm>
           <a:prstGeom prst="rect">
@@ -3286,7 +3291,7 @@
         </p:nvSpPr>
         <p:spPr>
           <a:xfrm>
-            <a:off x="719455" y="4281170"/>
+            <a:off x="719455" y="2519045"/>
             <a:ext cx="1743710" cy="460375"/>
           </a:xfrm>
           <a:prstGeom prst="rect">
@@ -3338,7 +3343,7 @@
         </p:nvSpPr>
         <p:spPr>
           <a:xfrm>
-            <a:off x="8832215" y="4169410"/>
+            <a:off x="8832215" y="2407285"/>
             <a:ext cx="1242695" cy="869950"/>
           </a:xfrm>
           <a:prstGeom prst="rect">
@@ -3375,7 +3380,7 @@
         </p:nvSpPr>
         <p:spPr>
           <a:xfrm>
-            <a:off x="8841740" y="4264660"/>
+            <a:off x="8841740" y="2502535"/>
             <a:ext cx="1907540" cy="275590"/>
           </a:xfrm>
           <a:prstGeom prst="rect">
@@ -3413,7 +3418,7 @@
         </p:nvSpPr>
         <p:spPr>
           <a:xfrm>
-            <a:off x="8832215" y="3738880"/>
+            <a:off x="8832215" y="1976755"/>
             <a:ext cx="2715260" cy="306705"/>
           </a:xfrm>
           <a:prstGeom prst="rect">
@@ -3450,7 +3455,7 @@
         </p:nvSpPr>
         <p:spPr>
           <a:xfrm>
-            <a:off x="6652895" y="4178300"/>
+            <a:off x="6652895" y="2416175"/>
             <a:ext cx="1043940" cy="861060"/>
           </a:xfrm>
           <a:prstGeom prst="rect">
@@ -3487,7 +3492,7 @@
         </p:nvSpPr>
         <p:spPr>
           <a:xfrm>
-            <a:off x="6652895" y="4279900"/>
+            <a:off x="6652895" y="2517775"/>
             <a:ext cx="1093470" cy="275590"/>
           </a:xfrm>
           <a:prstGeom prst="rect">
@@ -3525,7 +3530,7 @@
         </p:nvSpPr>
         <p:spPr>
           <a:xfrm>
-            <a:off x="7765415" y="4169410"/>
+            <a:off x="7765415" y="2407285"/>
             <a:ext cx="577850" cy="861060"/>
           </a:xfrm>
           <a:prstGeom prst="rect">
@@ -3562,7 +3567,7 @@
         </p:nvSpPr>
         <p:spPr>
           <a:xfrm>
-            <a:off x="7813040" y="4281170"/>
+            <a:off x="7813040" y="2519045"/>
             <a:ext cx="664845" cy="275590"/>
           </a:xfrm>
           <a:prstGeom prst="rect">
@@ -3600,7 +3605,7 @@
         </p:nvSpPr>
         <p:spPr>
           <a:xfrm>
-            <a:off x="10144125" y="4178300"/>
+            <a:off x="10144125" y="2416175"/>
             <a:ext cx="1242695" cy="869950"/>
           </a:xfrm>
           <a:prstGeom prst="rect">
@@ -3637,7 +3642,7 @@
         </p:nvSpPr>
         <p:spPr>
           <a:xfrm>
-            <a:off x="10144125" y="4281170"/>
+            <a:off x="10144125" y="2519045"/>
             <a:ext cx="1907540" cy="275590"/>
           </a:xfrm>
           <a:prstGeom prst="rect">
@@ -3674,7 +3679,7 @@
         </p:nvSpPr>
         <p:spPr>
           <a:xfrm>
-            <a:off x="1245870" y="4172585"/>
+            <a:off x="1245870" y="2410460"/>
             <a:ext cx="430530" cy="861060"/>
           </a:xfrm>
           <a:prstGeom prst="rect">
@@ -3711,7 +3716,7 @@
         </p:nvSpPr>
         <p:spPr>
           <a:xfrm>
-            <a:off x="1217295" y="4284345"/>
+            <a:off x="1217295" y="2522220"/>
             <a:ext cx="1743710" cy="460375"/>
           </a:xfrm>
           <a:prstGeom prst="rect">
@@ -3751,6 +3756,234 @@
               <a:solidFill>
                 <a:schemeClr val="bg1"/>
               </a:solidFill>
+            </a:endParaRPr>
+          </a:p>
+        </p:txBody>
+      </p:sp>
+      <p:sp>
+        <p:nvSpPr>
+          <p:cNvPr id="36" name="文本框 35"/>
+          <p:cNvSpPr txBox="1"/>
+          <p:nvPr/>
+        </p:nvSpPr>
+        <p:spPr>
+          <a:xfrm>
+            <a:off x="635635" y="4002405"/>
+            <a:ext cx="5901055" cy="2030095"/>
+          </a:xfrm>
+          <a:prstGeom prst="rect">
+            <a:avLst/>
+          </a:prstGeom>
+          <a:noFill/>
+        </p:spPr>
+        <p:txBody>
+          <a:bodyPr wrap="square" rtlCol="0">
+            <a:spAutoFit/>
+          </a:bodyPr>
+          <a:p>
+            <a:pPr marL="285750" indent="-285750" algn="l">
+              <a:lnSpc>
+                <a:spcPct val="150000"/>
+              </a:lnSpc>
+              <a:buFont typeface="Arial" panose="020B0604020202090204" pitchFamily="34" charset="0"/>
+              <a:buChar char="•"/>
+            </a:pPr>
+            <a:r>
+              <a:rPr lang="zh-CN" altLang="en-US" sz="1400"/>
+              <a:t>Xms 设置堆内存的初始值</a:t>
+            </a:r>
+            <a:endParaRPr lang="zh-CN" altLang="en-US" sz="1400"/>
+          </a:p>
+          <a:p>
+            <a:pPr marL="285750" indent="-285750" algn="l">
+              <a:lnSpc>
+                <a:spcPct val="150000"/>
+              </a:lnSpc>
+              <a:buFont typeface="Arial" panose="020B0604020202090204" pitchFamily="34" charset="0"/>
+              <a:buChar char="•"/>
+            </a:pPr>
+            <a:r>
+              <a:rPr lang="zh-CN" altLang="en-US" sz="1400"/>
+              <a:t>Xmx 设置堆内存的最大值</a:t>
+            </a:r>
+            <a:endParaRPr lang="zh-CN" altLang="en-US" sz="1400"/>
+          </a:p>
+          <a:p>
+            <a:pPr marL="285750" indent="-285750" algn="l">
+              <a:lnSpc>
+                <a:spcPct val="150000"/>
+              </a:lnSpc>
+              <a:buFont typeface="Arial" panose="020B0604020202090204" pitchFamily="34" charset="0"/>
+              <a:buChar char="•"/>
+            </a:pPr>
+            <a:r>
+              <a:rPr lang="zh-CN" altLang="en-US" sz="1400"/>
+              <a:t>Xmn 设置堆内存中的年轻代的最大值</a:t>
+            </a:r>
+            <a:endParaRPr lang="zh-CN" altLang="en-US" sz="1400"/>
+          </a:p>
+          <a:p>
+            <a:pPr marL="285750" indent="-285750" algn="l">
+              <a:lnSpc>
+                <a:spcPct val="150000"/>
+              </a:lnSpc>
+              <a:buFont typeface="Arial" panose="020B0604020202090204" pitchFamily="34" charset="0"/>
+              <a:buChar char="•"/>
+            </a:pPr>
+            <a:r>
+              <a:rPr lang="zh-CN" altLang="en-US" sz="1400"/>
+              <a:t>Meta 区不属于堆内存，归属为非堆</a:t>
+            </a:r>
+            <a:endParaRPr lang="zh-CN" altLang="en-US" sz="1400"/>
+          </a:p>
+          <a:p>
+            <a:pPr marL="285750" indent="-285750" algn="l">
+              <a:lnSpc>
+                <a:spcPct val="150000"/>
+              </a:lnSpc>
+              <a:buFont typeface="Arial" panose="020B0604020202090204" pitchFamily="34" charset="0"/>
+              <a:buChar char="•"/>
+            </a:pPr>
+            <a:r>
+              <a:rPr lang="zh-CN" altLang="en-US" sz="1400"/>
+              <a:t>DirectMemory 直接内存，属于 JVM 内存中开辟出来的本地内存空间</a:t>
+            </a:r>
+            <a:endParaRPr lang="zh-CN" altLang="en-US" sz="1400"/>
+          </a:p>
+          <a:p>
+            <a:pPr marL="285750" indent="-285750" algn="l">
+              <a:lnSpc>
+                <a:spcPct val="150000"/>
+              </a:lnSpc>
+              <a:buFont typeface="Arial" panose="020B0604020202090204" pitchFamily="34" charset="0"/>
+              <a:buChar char="•"/>
+            </a:pPr>
+            <a:r>
+              <a:rPr lang="zh-CN" altLang="en-US" sz="1400"/>
+              <a:t>Xss设置的是单个线程栈的最大空间</a:t>
+            </a:r>
+            <a:endParaRPr lang="zh-CN" altLang="en-US" sz="1400"/>
+          </a:p>
+        </p:txBody>
+      </p:sp>
+      <p:sp>
+        <p:nvSpPr>
+          <p:cNvPr id="37" name="文本框 36"/>
+          <p:cNvSpPr txBox="1"/>
+          <p:nvPr/>
+        </p:nvSpPr>
+        <p:spPr>
+          <a:xfrm>
+            <a:off x="6775450" y="4011295"/>
+            <a:ext cx="5276215" cy="1922145"/>
+          </a:xfrm>
+          <a:prstGeom prst="rect">
+            <a:avLst/>
+          </a:prstGeom>
+          <a:noFill/>
+        </p:spPr>
+        <p:txBody>
+          <a:bodyPr wrap="square" rtlCol="0">
+            <a:spAutoFit/>
+          </a:bodyPr>
+          <a:p>
+            <a:pPr lvl="0" indent="0" algn="l">
+              <a:lnSpc>
+                <a:spcPct val="150000"/>
+              </a:lnSpc>
+              <a:buFont typeface="Arial" panose="020B0604020202090204" pitchFamily="34" charset="0"/>
+              <a:buNone/>
+            </a:pPr>
+            <a:r>
+              <a:rPr lang="zh-CN" altLang="en-US" sz="1400">
+                <a:sym typeface="+mn-ea"/>
+              </a:rPr>
+              <a:t>JVM进程空间中的内存一般来说包括以下这些部分</a:t>
+            </a:r>
+            <a:r>
+              <a:rPr lang="zh-CN" altLang="en-US" sz="1400">
+                <a:sym typeface="+mn-ea"/>
+              </a:rPr>
+              <a:t>：</a:t>
+            </a:r>
+            <a:endParaRPr lang="zh-CN" altLang="en-US" sz="1400">
+              <a:sym typeface="+mn-ea"/>
+            </a:endParaRPr>
+          </a:p>
+          <a:p>
+            <a:pPr marL="285750" lvl="0" indent="-285750" algn="l">
+              <a:lnSpc>
+                <a:spcPct val="150000"/>
+              </a:lnSpc>
+              <a:buFont typeface="Arial" panose="020B0604020202090204" pitchFamily="34" charset="0"/>
+            </a:pPr>
+            <a:r>
+              <a:rPr lang="zh-CN" altLang="en-US" sz="1400">
+                <a:sym typeface="+mn-ea"/>
+              </a:rPr>
+              <a:t>堆内存(Xms ~ Xmx) = 年轻代(~Xmn) + 老年代</a:t>
+            </a:r>
+            <a:endParaRPr lang="zh-CN" altLang="en-US" sz="1400">
+              <a:sym typeface="+mn-ea"/>
+            </a:endParaRPr>
+          </a:p>
+          <a:p>
+            <a:pPr marL="285750" lvl="0" indent="-285750" algn="l">
+              <a:lnSpc>
+                <a:spcPct val="150000"/>
+              </a:lnSpc>
+              <a:buFont typeface="Arial" panose="020B0604020202090204" pitchFamily="34" charset="0"/>
+            </a:pPr>
+            <a:r>
+              <a:rPr lang="zh-CN" altLang="en-US" sz="1400">
+                <a:sym typeface="+mn-ea"/>
+              </a:rPr>
+              <a:t>非堆 = Meta + CodeCache + ...</a:t>
+            </a:r>
+            <a:endParaRPr lang="zh-CN" altLang="en-US" sz="1400">
+              <a:sym typeface="+mn-ea"/>
+            </a:endParaRPr>
+          </a:p>
+          <a:p>
+            <a:pPr marL="285750" lvl="0" indent="-285750" algn="l">
+              <a:lnSpc>
+                <a:spcPct val="150000"/>
+              </a:lnSpc>
+              <a:buFont typeface="Arial" panose="020B0604020202090204" pitchFamily="34" charset="0"/>
+            </a:pPr>
+            <a:r>
+              <a:rPr lang="zh-CN" altLang="en-US" sz="1400">
+                <a:sym typeface="+mn-ea"/>
+              </a:rPr>
+              <a:t>Native内存 = 直接内存 + Native + ...</a:t>
+            </a:r>
+            <a:endParaRPr lang="zh-CN" altLang="en-US" sz="1400">
+              <a:sym typeface="+mn-ea"/>
+            </a:endParaRPr>
+          </a:p>
+          <a:p>
+            <a:pPr marL="285750" lvl="0" indent="-285750" algn="l">
+              <a:lnSpc>
+                <a:spcPct val="150000"/>
+              </a:lnSpc>
+              <a:buFont typeface="Arial" panose="020B0604020202090204" pitchFamily="34" charset="0"/>
+            </a:pPr>
+            <a:r>
+              <a:rPr lang="zh-CN" altLang="en-US" sz="1400">
+                <a:sym typeface="+mn-ea"/>
+              </a:rPr>
+              <a:t>栈内存 = n * Xss</a:t>
+            </a:r>
+            <a:endParaRPr lang="zh-CN" altLang="en-US" sz="1400">
+              <a:sym typeface="+mn-ea"/>
+            </a:endParaRPr>
+          </a:p>
+          <a:p>
+            <a:pPr marL="285750" lvl="0" indent="-285750" algn="l">
+              <a:buFont typeface="Arial" panose="020B0604020202090204" pitchFamily="34" charset="0"/>
+            </a:pPr>
+            <a:endParaRPr lang="zh-CN" altLang="en-US" sz="1400">
+              <a:sym typeface="+mn-ea"/>
             </a:endParaRPr>
           </a:p>
         </p:txBody>
